--- a/doc/presentation/pt3.pptx
+++ b/doc/presentation/pt3.pptx
@@ -2531,62 +2531,66 @@
           <a:lstStyle/>
           <a:p>
             <a:r>
-              <a:rPr lang="en-US" altLang="ko-KR"/>
+              <a:rPr lang="en-US" altLang="ko-KR" dirty="0"/>
               <a:t>5. </a:t>
             </a:r>
             <a:r>
-              <a:rPr lang="ko-KR" altLang="en-US"/>
+              <a:rPr lang="ko-KR" altLang="en-US" dirty="0"/>
               <a:t>다음으로 프로젝트 필요성에 관해서 설명하겠습니다</a:t>
             </a:r>
             <a:r>
-              <a:rPr lang="en-US" altLang="ko-KR"/>
+              <a:rPr lang="en-US" altLang="ko-KR" dirty="0"/>
               <a:t>. </a:t>
             </a:r>
           </a:p>
           <a:p>
             <a:r>
-              <a:rPr lang="ko-KR" altLang="en-US"/>
-              <a:t>인터넷 신어는 언어학적으로 봤을 때 사회적으로 의미가 있다고 판단되어 하나의 단어로 인정받은 경우가 많습니다</a:t>
-            </a:r>
-            <a:r>
-              <a:rPr lang="en-US" altLang="ko-KR"/>
+              <a:rPr lang="ko-KR" altLang="en-US" dirty="0"/>
+              <a:t>인터넷 신어는 언어학적으로 봤을 때 사회적으로 의미가 있다고 판단되어 하나의 단어로 인정받은 </a:t>
+            </a:r>
+            <a:r>
+              <a:rPr lang="ko-KR" altLang="en-US" dirty="0" smtClean="0"/>
+              <a:t>경우가 있습니다</a:t>
+            </a:r>
+            <a:r>
+              <a:rPr lang="en-US" altLang="ko-KR" dirty="0" smtClean="0"/>
               <a:t>. </a:t>
             </a:r>
             <a:r>
-              <a:rPr lang="ko-KR" altLang="en-US"/>
+              <a:rPr lang="ko-KR" altLang="en-US" dirty="0"/>
               <a:t>이들의 공통점은 이 언어를 사용했던 당시의 사회적인 특성을 잘 반영하고 있다는 점입니다</a:t>
             </a:r>
             <a:r>
-              <a:rPr lang="en-US" altLang="ko-KR"/>
+              <a:rPr lang="en-US" altLang="ko-KR" dirty="0"/>
               <a:t>. </a:t>
             </a:r>
             <a:r>
-              <a:rPr lang="ko-KR" altLang="en-US"/>
-              <a:t>이러한 언어의 사회성 때문에 인터넷 신어는 분석해야 할 대상입니다</a:t>
-            </a:r>
-            <a:r>
-              <a:rPr lang="en-US" altLang="ko-KR"/>
+              <a:rPr lang="ko-KR" altLang="en-US" dirty="0" smtClean="0"/>
+              <a:t>이렇듯 시대상과 언어변이과정의 방향을 파악하기 위해서 </a:t>
+            </a:r>
+            <a:r>
+              <a:rPr lang="ko-KR" altLang="en-US" dirty="0" err="1" smtClean="0"/>
+              <a:t>신어를</a:t>
+            </a:r>
+            <a:r>
+              <a:rPr lang="ko-KR" altLang="en-US" dirty="0" smtClean="0"/>
+              <a:t>  체계적으로 정리할 필요가 있습니다</a:t>
+            </a:r>
+            <a:r>
+              <a:rPr lang="en-US" altLang="ko-KR" dirty="0" smtClean="0"/>
               <a:t>. </a:t>
             </a:r>
             <a:r>
-              <a:rPr lang="ko-KR" altLang="en-US"/>
-              <a:t>하지만</a:t>
-            </a:r>
-            <a:r>
-              <a:rPr lang="en-US" altLang="ko-KR"/>
-              <a:t>, </a:t>
-            </a:r>
-            <a:r>
-              <a:rPr lang="ko-KR" altLang="en-US"/>
-              <a:t>신어에 대해 정리된 바가 없어서 분석에 어려움을 겪고 있다고 합니다</a:t>
-            </a:r>
-            <a:r>
-              <a:rPr lang="en-US" altLang="ko-KR"/>
-              <a:t>. </a:t>
-            </a:r>
-          </a:p>
-          <a:p>
-            <a:endParaRPr lang="ko-KR" altLang="en-US"/>
+              <a:rPr lang="ko-KR" altLang="en-US" dirty="0" smtClean="0"/>
+              <a:t> </a:t>
+            </a:r>
+            <a:endParaRPr lang="en-US" altLang="ko-KR" baseline="0" dirty="0" smtClean="0"/>
+          </a:p>
+          <a:p>
+            <a:endParaRPr lang="en-US" altLang="ko-KR" baseline="0" dirty="0" smtClean="0"/>
+          </a:p>
+          <a:p>
+            <a:endParaRPr lang="ko-KR" altLang="en-US" dirty="0"/>
           </a:p>
         </p:txBody>
       </p:sp>
@@ -6234,7 +6238,7 @@
           <p:cNvPr id="9" name="그룹 1001">
             <a:extLst>
               <a:ext uri="{FF2B5EF4-FFF2-40B4-BE49-F238E27FC236}">
-                <a16:creationId xmlns:a16="http://schemas.microsoft.com/office/drawing/2014/main" id="{10C3BE43-DBFF-4998-BCC3-E62746D3F9B3}"/>
+                <a16:creationId xmlns:a16="http://schemas.microsoft.com/office/drawing/2014/main" xmlns="" id="{10C3BE43-DBFF-4998-BCC3-E62746D3F9B3}"/>
               </a:ext>
             </a:extLst>
           </p:cNvPr>
@@ -6254,7 +6258,7 @@
             <p:cNvPr id="10" name="Object 2">
               <a:extLst>
                 <a:ext uri="{FF2B5EF4-FFF2-40B4-BE49-F238E27FC236}">
-                  <a16:creationId xmlns:a16="http://schemas.microsoft.com/office/drawing/2014/main" id="{3A0662AA-CE97-467E-9AD4-3F8081971673}"/>
+                  <a16:creationId xmlns:a16="http://schemas.microsoft.com/office/drawing/2014/main" xmlns="" id="{3A0662AA-CE97-467E-9AD4-3F8081971673}"/>
                 </a:ext>
               </a:extLst>
             </p:cNvPr>
@@ -6284,7 +6288,7 @@
             <p:cNvPr id="11" name="그룹 1002">
               <a:extLst>
                 <a:ext uri="{FF2B5EF4-FFF2-40B4-BE49-F238E27FC236}">
-                  <a16:creationId xmlns:a16="http://schemas.microsoft.com/office/drawing/2014/main" id="{D88185F7-A5DB-476C-9C17-F563A8E796F9}"/>
+                  <a16:creationId xmlns:a16="http://schemas.microsoft.com/office/drawing/2014/main" xmlns="" id="{D88185F7-A5DB-476C-9C17-F563A8E796F9}"/>
                 </a:ext>
               </a:extLst>
             </p:cNvPr>
@@ -6304,7 +6308,7 @@
               <p:cNvPr id="32" name="Object 4">
                 <a:extLst>
                   <a:ext uri="{FF2B5EF4-FFF2-40B4-BE49-F238E27FC236}">
-                    <a16:creationId xmlns:a16="http://schemas.microsoft.com/office/drawing/2014/main" id="{341EE85A-B4DE-446A-B7F4-2AFA88E19576}"/>
+                    <a16:creationId xmlns:a16="http://schemas.microsoft.com/office/drawing/2014/main" xmlns="" id="{341EE85A-B4DE-446A-B7F4-2AFA88E19576}"/>
                   </a:ext>
                 </a:extLst>
               </p:cNvPr>
@@ -6335,7 +6339,7 @@
             <p:cNvPr id="12" name="Object 6">
               <a:extLst>
                 <a:ext uri="{FF2B5EF4-FFF2-40B4-BE49-F238E27FC236}">
-                  <a16:creationId xmlns:a16="http://schemas.microsoft.com/office/drawing/2014/main" id="{53EC1B06-ED96-40AA-80A1-AA2A2F9A8267}"/>
+                  <a16:creationId xmlns:a16="http://schemas.microsoft.com/office/drawing/2014/main" xmlns="" id="{53EC1B06-ED96-40AA-80A1-AA2A2F9A8267}"/>
                 </a:ext>
               </a:extLst>
             </p:cNvPr>
@@ -6365,7 +6369,7 @@
             <p:cNvPr id="13" name="그룹 1003">
               <a:extLst>
                 <a:ext uri="{FF2B5EF4-FFF2-40B4-BE49-F238E27FC236}">
-                  <a16:creationId xmlns:a16="http://schemas.microsoft.com/office/drawing/2014/main" id="{3EEF5123-67A3-4323-805B-97EBC318DE0F}"/>
+                  <a16:creationId xmlns:a16="http://schemas.microsoft.com/office/drawing/2014/main" xmlns="" id="{3EEF5123-67A3-4323-805B-97EBC318DE0F}"/>
                 </a:ext>
               </a:extLst>
             </p:cNvPr>
@@ -6385,7 +6389,7 @@
               <p:cNvPr id="31" name="Object 8">
                 <a:extLst>
                   <a:ext uri="{FF2B5EF4-FFF2-40B4-BE49-F238E27FC236}">
-                    <a16:creationId xmlns:a16="http://schemas.microsoft.com/office/drawing/2014/main" id="{33643260-9489-4E11-B2B2-894EC2CA30D1}"/>
+                    <a16:creationId xmlns:a16="http://schemas.microsoft.com/office/drawing/2014/main" xmlns="" id="{33643260-9489-4E11-B2B2-894EC2CA30D1}"/>
                   </a:ext>
                 </a:extLst>
               </p:cNvPr>
@@ -6416,7 +6420,7 @@
             <p:cNvPr id="14" name="그룹 1004">
               <a:extLst>
                 <a:ext uri="{FF2B5EF4-FFF2-40B4-BE49-F238E27FC236}">
-                  <a16:creationId xmlns:a16="http://schemas.microsoft.com/office/drawing/2014/main" id="{8AD8DBB7-4BF5-4828-839E-D59BF182B25F}"/>
+                  <a16:creationId xmlns:a16="http://schemas.microsoft.com/office/drawing/2014/main" xmlns="" id="{8AD8DBB7-4BF5-4828-839E-D59BF182B25F}"/>
                 </a:ext>
               </a:extLst>
             </p:cNvPr>
@@ -6436,7 +6440,7 @@
               <p:cNvPr id="30" name="Object 11">
                 <a:extLst>
                   <a:ext uri="{FF2B5EF4-FFF2-40B4-BE49-F238E27FC236}">
-                    <a16:creationId xmlns:a16="http://schemas.microsoft.com/office/drawing/2014/main" id="{0D6E5AF6-4159-431E-9D3E-A76484DC327D}"/>
+                    <a16:creationId xmlns:a16="http://schemas.microsoft.com/office/drawing/2014/main" xmlns="" id="{0D6E5AF6-4159-431E-9D3E-A76484DC327D}"/>
                   </a:ext>
                 </a:extLst>
               </p:cNvPr>
@@ -6467,7 +6471,7 @@
             <p:cNvPr id="15" name="그룹 1005">
               <a:extLst>
                 <a:ext uri="{FF2B5EF4-FFF2-40B4-BE49-F238E27FC236}">
-                  <a16:creationId xmlns:a16="http://schemas.microsoft.com/office/drawing/2014/main" id="{E92B63FE-B8EE-48FF-9BC0-024176FF7960}"/>
+                  <a16:creationId xmlns:a16="http://schemas.microsoft.com/office/drawing/2014/main" xmlns="" id="{E92B63FE-B8EE-48FF-9BC0-024176FF7960}"/>
                 </a:ext>
               </a:extLst>
             </p:cNvPr>
@@ -6487,7 +6491,7 @@
               <p:cNvPr id="29" name="Object 14">
                 <a:extLst>
                   <a:ext uri="{FF2B5EF4-FFF2-40B4-BE49-F238E27FC236}">
-                    <a16:creationId xmlns:a16="http://schemas.microsoft.com/office/drawing/2014/main" id="{7AF26B27-4EC6-4294-9AEA-194EC77B57BA}"/>
+                    <a16:creationId xmlns:a16="http://schemas.microsoft.com/office/drawing/2014/main" xmlns="" id="{7AF26B27-4EC6-4294-9AEA-194EC77B57BA}"/>
                   </a:ext>
                 </a:extLst>
               </p:cNvPr>
@@ -6518,7 +6522,7 @@
             <p:cNvPr id="16" name="그룹 1006">
               <a:extLst>
                 <a:ext uri="{FF2B5EF4-FFF2-40B4-BE49-F238E27FC236}">
-                  <a16:creationId xmlns:a16="http://schemas.microsoft.com/office/drawing/2014/main" id="{92A283B9-6F23-4F48-9882-9F466F39F6E0}"/>
+                  <a16:creationId xmlns:a16="http://schemas.microsoft.com/office/drawing/2014/main" xmlns="" id="{92A283B9-6F23-4F48-9882-9F466F39F6E0}"/>
                 </a:ext>
               </a:extLst>
             </p:cNvPr>
@@ -6538,7 +6542,7 @@
               <p:cNvPr id="28" name="Object 17">
                 <a:extLst>
                   <a:ext uri="{FF2B5EF4-FFF2-40B4-BE49-F238E27FC236}">
-                    <a16:creationId xmlns:a16="http://schemas.microsoft.com/office/drawing/2014/main" id="{27655238-A3D2-464E-BD95-60A7F9480617}"/>
+                    <a16:creationId xmlns:a16="http://schemas.microsoft.com/office/drawing/2014/main" xmlns="" id="{27655238-A3D2-464E-BD95-60A7F9480617}"/>
                   </a:ext>
                 </a:extLst>
               </p:cNvPr>
@@ -6569,7 +6573,7 @@
             <p:cNvPr id="17" name="Object 19">
               <a:extLst>
                 <a:ext uri="{FF2B5EF4-FFF2-40B4-BE49-F238E27FC236}">
-                  <a16:creationId xmlns:a16="http://schemas.microsoft.com/office/drawing/2014/main" id="{A8FDA4B3-A466-4087-9DDA-414FD5C895FB}"/>
+                  <a16:creationId xmlns:a16="http://schemas.microsoft.com/office/drawing/2014/main" xmlns="" id="{A8FDA4B3-A466-4087-9DDA-414FD5C895FB}"/>
                 </a:ext>
               </a:extLst>
             </p:cNvPr>
@@ -6599,7 +6603,7 @@
             <p:cNvPr id="18" name="그룹 1007">
               <a:extLst>
                 <a:ext uri="{FF2B5EF4-FFF2-40B4-BE49-F238E27FC236}">
-                  <a16:creationId xmlns:a16="http://schemas.microsoft.com/office/drawing/2014/main" id="{1DC292CB-468C-4454-A800-CF9893C657D3}"/>
+                  <a16:creationId xmlns:a16="http://schemas.microsoft.com/office/drawing/2014/main" xmlns="" id="{1DC292CB-468C-4454-A800-CF9893C657D3}"/>
                 </a:ext>
               </a:extLst>
             </p:cNvPr>
@@ -6619,7 +6623,7 @@
               <p:cNvPr id="27" name="Object 21">
                 <a:extLst>
                   <a:ext uri="{FF2B5EF4-FFF2-40B4-BE49-F238E27FC236}">
-                    <a16:creationId xmlns:a16="http://schemas.microsoft.com/office/drawing/2014/main" id="{36E1C2ED-7B68-40AA-ABE0-CDD8BECE7BC0}"/>
+                    <a16:creationId xmlns:a16="http://schemas.microsoft.com/office/drawing/2014/main" xmlns="" id="{36E1C2ED-7B68-40AA-ABE0-CDD8BECE7BC0}"/>
                   </a:ext>
                 </a:extLst>
               </p:cNvPr>
@@ -6650,7 +6654,7 @@
             <p:cNvPr id="19" name="그룹 1008">
               <a:extLst>
                 <a:ext uri="{FF2B5EF4-FFF2-40B4-BE49-F238E27FC236}">
-                  <a16:creationId xmlns:a16="http://schemas.microsoft.com/office/drawing/2014/main" id="{2F0A6917-0E2A-4380-B8D8-16436FC52F6E}"/>
+                  <a16:creationId xmlns:a16="http://schemas.microsoft.com/office/drawing/2014/main" xmlns="" id="{2F0A6917-0E2A-4380-B8D8-16436FC52F6E}"/>
                 </a:ext>
               </a:extLst>
             </p:cNvPr>
@@ -6670,7 +6674,7 @@
               <p:cNvPr id="26" name="Object 24">
                 <a:extLst>
                   <a:ext uri="{FF2B5EF4-FFF2-40B4-BE49-F238E27FC236}">
-                    <a16:creationId xmlns:a16="http://schemas.microsoft.com/office/drawing/2014/main" id="{BB01647A-4CA8-416A-A0B5-DA009CDF6EC0}"/>
+                    <a16:creationId xmlns:a16="http://schemas.microsoft.com/office/drawing/2014/main" xmlns="" id="{BB01647A-4CA8-416A-A0B5-DA009CDF6EC0}"/>
                   </a:ext>
                 </a:extLst>
               </p:cNvPr>
@@ -6701,7 +6705,7 @@
             <p:cNvPr id="20" name="그룹 1009">
               <a:extLst>
                 <a:ext uri="{FF2B5EF4-FFF2-40B4-BE49-F238E27FC236}">
-                  <a16:creationId xmlns:a16="http://schemas.microsoft.com/office/drawing/2014/main" id="{8B474683-A196-42DE-A66F-BFA6F27606BC}"/>
+                  <a16:creationId xmlns:a16="http://schemas.microsoft.com/office/drawing/2014/main" xmlns="" id="{8B474683-A196-42DE-A66F-BFA6F27606BC}"/>
                 </a:ext>
               </a:extLst>
             </p:cNvPr>
@@ -6721,7 +6725,7 @@
               <p:cNvPr id="25" name="Object 27">
                 <a:extLst>
                   <a:ext uri="{FF2B5EF4-FFF2-40B4-BE49-F238E27FC236}">
-                    <a16:creationId xmlns:a16="http://schemas.microsoft.com/office/drawing/2014/main" id="{573C6EE6-0FE1-4F14-84D3-EFAF494381D6}"/>
+                    <a16:creationId xmlns:a16="http://schemas.microsoft.com/office/drawing/2014/main" xmlns="" id="{573C6EE6-0FE1-4F14-84D3-EFAF494381D6}"/>
                   </a:ext>
                 </a:extLst>
               </p:cNvPr>
@@ -6752,7 +6756,7 @@
             <p:cNvPr id="21" name="Object 29">
               <a:extLst>
                 <a:ext uri="{FF2B5EF4-FFF2-40B4-BE49-F238E27FC236}">
-                  <a16:creationId xmlns:a16="http://schemas.microsoft.com/office/drawing/2014/main" id="{DE6A1708-BCE1-4B37-A038-0EB86D509EC1}"/>
+                  <a16:creationId xmlns:a16="http://schemas.microsoft.com/office/drawing/2014/main" xmlns="" id="{DE6A1708-BCE1-4B37-A038-0EB86D509EC1}"/>
                 </a:ext>
               </a:extLst>
             </p:cNvPr>
@@ -6782,7 +6786,7 @@
             <p:cNvPr id="22" name="Object 30">
               <a:extLst>
                 <a:ext uri="{FF2B5EF4-FFF2-40B4-BE49-F238E27FC236}">
-                  <a16:creationId xmlns:a16="http://schemas.microsoft.com/office/drawing/2014/main" id="{3FC5EB47-3201-4B1C-BD88-4F8F1CC9DFA9}"/>
+                  <a16:creationId xmlns:a16="http://schemas.microsoft.com/office/drawing/2014/main" xmlns="" id="{3FC5EB47-3201-4B1C-BD88-4F8F1CC9DFA9}"/>
                 </a:ext>
               </a:extLst>
             </p:cNvPr>
@@ -6812,7 +6816,7 @@
             <p:cNvPr id="23" name="Object 31">
               <a:extLst>
                 <a:ext uri="{FF2B5EF4-FFF2-40B4-BE49-F238E27FC236}">
-                  <a16:creationId xmlns:a16="http://schemas.microsoft.com/office/drawing/2014/main" id="{3D7A0821-C530-4762-8888-91413815120C}"/>
+                  <a16:creationId xmlns:a16="http://schemas.microsoft.com/office/drawing/2014/main" xmlns="" id="{3D7A0821-C530-4762-8888-91413815120C}"/>
                 </a:ext>
               </a:extLst>
             </p:cNvPr>
@@ -6842,7 +6846,7 @@
             <p:cNvPr id="24" name="Object 32">
               <a:extLst>
                 <a:ext uri="{FF2B5EF4-FFF2-40B4-BE49-F238E27FC236}">
-                  <a16:creationId xmlns:a16="http://schemas.microsoft.com/office/drawing/2014/main" id="{8D5866AE-31A5-4405-8607-C5FB3E8E28D1}"/>
+                  <a16:creationId xmlns:a16="http://schemas.microsoft.com/office/drawing/2014/main" xmlns="" id="{8D5866AE-31A5-4405-8607-C5FB3E8E28D1}"/>
                 </a:ext>
               </a:extLst>
             </p:cNvPr>
@@ -6873,7 +6877,7 @@
           <p:cNvPr id="4" name="그림 3">
             <a:extLst>
               <a:ext uri="{FF2B5EF4-FFF2-40B4-BE49-F238E27FC236}">
-                <a16:creationId xmlns:a16="http://schemas.microsoft.com/office/drawing/2014/main" id="{A2AFD720-92FD-42C9-AF43-B6D9BCCE12D4}"/>
+                <a16:creationId xmlns:a16="http://schemas.microsoft.com/office/drawing/2014/main" xmlns="" id="{A2AFD720-92FD-42C9-AF43-B6D9BCCE12D4}"/>
               </a:ext>
             </a:extLst>
           </p:cNvPr>
@@ -6908,7 +6912,7 @@
           <p:cNvPr id="5" name="그림 4" descr="표지판, 앉아있는, 음식, 기차이(가) 표시된 사진&#10;&#10;자동 생성된 설명">
             <a:extLst>
               <a:ext uri="{FF2B5EF4-FFF2-40B4-BE49-F238E27FC236}">
-                <a16:creationId xmlns:a16="http://schemas.microsoft.com/office/drawing/2014/main" id="{9255AD1B-6A84-4329-8751-A9C9E4E5A28B}"/>
+                <a16:creationId xmlns:a16="http://schemas.microsoft.com/office/drawing/2014/main" xmlns="" id="{9255AD1B-6A84-4329-8751-A9C9E4E5A28B}"/>
               </a:ext>
             </a:extLst>
           </p:cNvPr>
@@ -7087,7 +7091,7 @@
           <p:cNvPr id="2" name="그림 1">
             <a:extLst>
               <a:ext uri="{FF2B5EF4-FFF2-40B4-BE49-F238E27FC236}">
-                <a16:creationId xmlns:a16="http://schemas.microsoft.com/office/drawing/2014/main" id="{699A0342-DA81-44D3-A7C0-6670FF13ADCE}"/>
+                <a16:creationId xmlns:a16="http://schemas.microsoft.com/office/drawing/2014/main" xmlns="" id="{699A0342-DA81-44D3-A7C0-6670FF13ADCE}"/>
               </a:ext>
             </a:extLst>
           </p:cNvPr>
@@ -7122,7 +7126,7 @@
           <p:cNvPr id="4" name="그림 3" descr="표지판, 앉아있는, 음식, 기차이(가) 표시된 사진&#10;&#10;자동 생성된 설명">
             <a:extLst>
               <a:ext uri="{FF2B5EF4-FFF2-40B4-BE49-F238E27FC236}">
-                <a16:creationId xmlns:a16="http://schemas.microsoft.com/office/drawing/2014/main" id="{208BD61E-9591-403E-9F22-4BF753FDB9A0}"/>
+                <a16:creationId xmlns:a16="http://schemas.microsoft.com/office/drawing/2014/main" xmlns="" id="{208BD61E-9591-403E-9F22-4BF753FDB9A0}"/>
               </a:ext>
             </a:extLst>
           </p:cNvPr>
@@ -7316,7 +7320,7 @@
           <p:cNvPr id="4" name="그림 3">
             <a:extLst>
               <a:ext uri="{FF2B5EF4-FFF2-40B4-BE49-F238E27FC236}">
-                <a16:creationId xmlns:a16="http://schemas.microsoft.com/office/drawing/2014/main" id="{E2CA912D-595F-433F-B3CA-70934B419201}"/>
+                <a16:creationId xmlns:a16="http://schemas.microsoft.com/office/drawing/2014/main" xmlns="" id="{E2CA912D-595F-433F-B3CA-70934B419201}"/>
               </a:ext>
             </a:extLst>
           </p:cNvPr>
@@ -7351,7 +7355,7 @@
           <p:cNvPr id="6" name="그림 5" descr="표지판, 앉아있는, 음식, 기차이(가) 표시된 사진&#10;&#10;자동 생성된 설명">
             <a:extLst>
               <a:ext uri="{FF2B5EF4-FFF2-40B4-BE49-F238E27FC236}">
-                <a16:creationId xmlns:a16="http://schemas.microsoft.com/office/drawing/2014/main" id="{15C64883-0337-4170-BBEA-806CB2AC43C9}"/>
+                <a16:creationId xmlns:a16="http://schemas.microsoft.com/office/drawing/2014/main" xmlns="" id="{15C64883-0337-4170-BBEA-806CB2AC43C9}"/>
               </a:ext>
             </a:extLst>
           </p:cNvPr>
@@ -7530,7 +7534,7 @@
           <p:cNvPr id="2" name="그림 1">
             <a:extLst>
               <a:ext uri="{FF2B5EF4-FFF2-40B4-BE49-F238E27FC236}">
-                <a16:creationId xmlns:a16="http://schemas.microsoft.com/office/drawing/2014/main" id="{0C73BFF1-9BA2-44BC-9A17-A85AB2D5DB06}"/>
+                <a16:creationId xmlns:a16="http://schemas.microsoft.com/office/drawing/2014/main" xmlns="" id="{0C73BFF1-9BA2-44BC-9A17-A85AB2D5DB06}"/>
               </a:ext>
             </a:extLst>
           </p:cNvPr>
@@ -7565,7 +7569,7 @@
           <p:cNvPr id="4" name="그림 3" descr="표지판, 앉아있는, 음식, 기차이(가) 표시된 사진&#10;&#10;자동 생성된 설명">
             <a:extLst>
               <a:ext uri="{FF2B5EF4-FFF2-40B4-BE49-F238E27FC236}">
-                <a16:creationId xmlns:a16="http://schemas.microsoft.com/office/drawing/2014/main" id="{F56EB09C-0FDF-41B5-A9A8-6000ED624172}"/>
+                <a16:creationId xmlns:a16="http://schemas.microsoft.com/office/drawing/2014/main" xmlns="" id="{F56EB09C-0FDF-41B5-A9A8-6000ED624172}"/>
               </a:ext>
             </a:extLst>
           </p:cNvPr>
@@ -8131,7 +8135,7 @@
           <p:cNvPr id="2" name="그림 1">
             <a:extLst>
               <a:ext uri="{FF2B5EF4-FFF2-40B4-BE49-F238E27FC236}">
-                <a16:creationId xmlns:a16="http://schemas.microsoft.com/office/drawing/2014/main" id="{C5DF5639-551D-435E-A1E5-6B73464602E5}"/>
+                <a16:creationId xmlns:a16="http://schemas.microsoft.com/office/drawing/2014/main" xmlns="" id="{C5DF5639-551D-435E-A1E5-6B73464602E5}"/>
               </a:ext>
             </a:extLst>
           </p:cNvPr>
@@ -8166,7 +8170,7 @@
           <p:cNvPr id="4" name="그림 3" descr="표지판, 앉아있는, 음식, 기차이(가) 표시된 사진&#10;&#10;자동 생성된 설명">
             <a:extLst>
               <a:ext uri="{FF2B5EF4-FFF2-40B4-BE49-F238E27FC236}">
-                <a16:creationId xmlns:a16="http://schemas.microsoft.com/office/drawing/2014/main" id="{08D93692-A216-48F6-85CE-78E43A1EE62A}"/>
+                <a16:creationId xmlns:a16="http://schemas.microsoft.com/office/drawing/2014/main" xmlns="" id="{08D93692-A216-48F6-85CE-78E43A1EE62A}"/>
               </a:ext>
             </a:extLst>
           </p:cNvPr>
@@ -8345,7 +8349,7 @@
           <p:cNvPr id="2" name="그림 1">
             <a:extLst>
               <a:ext uri="{FF2B5EF4-FFF2-40B4-BE49-F238E27FC236}">
-                <a16:creationId xmlns:a16="http://schemas.microsoft.com/office/drawing/2014/main" id="{0CEF6202-D8AD-42B3-BCE7-DDD77B614F22}"/>
+                <a16:creationId xmlns:a16="http://schemas.microsoft.com/office/drawing/2014/main" xmlns="" id="{0CEF6202-D8AD-42B3-BCE7-DDD77B614F22}"/>
               </a:ext>
             </a:extLst>
           </p:cNvPr>
@@ -8380,7 +8384,7 @@
           <p:cNvPr id="4" name="그림 3" descr="표지판, 앉아있는, 음식, 기차이(가) 표시된 사진&#10;&#10;자동 생성된 설명">
             <a:extLst>
               <a:ext uri="{FF2B5EF4-FFF2-40B4-BE49-F238E27FC236}">
-                <a16:creationId xmlns:a16="http://schemas.microsoft.com/office/drawing/2014/main" id="{0B3B40C1-7EEC-436B-BFD7-2A345FEE11AC}"/>
+                <a16:creationId xmlns:a16="http://schemas.microsoft.com/office/drawing/2014/main" xmlns="" id="{0B3B40C1-7EEC-436B-BFD7-2A345FEE11AC}"/>
               </a:ext>
             </a:extLst>
           </p:cNvPr>
@@ -8727,7 +8731,7 @@
           <p:cNvPr id="4" name="그림 3" descr="텍스트, 스크린샷, 모니터, 표지판이(가) 표시된 사진&#10;&#10;자동 생성된 설명">
             <a:extLst>
               <a:ext uri="{FF2B5EF4-FFF2-40B4-BE49-F238E27FC236}">
-                <a16:creationId xmlns:a16="http://schemas.microsoft.com/office/drawing/2014/main" id="{7C1B6ADA-786A-4F5A-A601-A0DA3A51DD24}"/>
+                <a16:creationId xmlns:a16="http://schemas.microsoft.com/office/drawing/2014/main" xmlns="" id="{7C1B6ADA-786A-4F5A-A601-A0DA3A51DD24}"/>
               </a:ext>
             </a:extLst>
           </p:cNvPr>
@@ -8762,7 +8766,7 @@
           <p:cNvPr id="13" name="그림 12" descr="텍스트, 스크린샷, 모니터, 표지판이(가) 표시된 사진&#10;&#10;자동 생성된 설명">
             <a:extLst>
               <a:ext uri="{FF2B5EF4-FFF2-40B4-BE49-F238E27FC236}">
-                <a16:creationId xmlns:a16="http://schemas.microsoft.com/office/drawing/2014/main" id="{8EC1ED70-6504-4D30-8D2E-B95E9E10D6DF}"/>
+                <a16:creationId xmlns:a16="http://schemas.microsoft.com/office/drawing/2014/main" xmlns="" id="{8EC1ED70-6504-4D30-8D2E-B95E9E10D6DF}"/>
               </a:ext>
             </a:extLst>
           </p:cNvPr>
@@ -8797,7 +8801,7 @@
           <p:cNvPr id="15" name="Object 16">
             <a:extLst>
               <a:ext uri="{FF2B5EF4-FFF2-40B4-BE49-F238E27FC236}">
-                <a16:creationId xmlns:a16="http://schemas.microsoft.com/office/drawing/2014/main" id="{971BACCE-2FB8-4B05-AE4E-9A3DFC101078}"/>
+                <a16:creationId xmlns:a16="http://schemas.microsoft.com/office/drawing/2014/main" xmlns="" id="{971BACCE-2FB8-4B05-AE4E-9A3DFC101078}"/>
               </a:ext>
             </a:extLst>
           </p:cNvPr>
@@ -8827,7 +8831,7 @@
           <p:cNvPr id="2" name="그림 1">
             <a:extLst>
               <a:ext uri="{FF2B5EF4-FFF2-40B4-BE49-F238E27FC236}">
-                <a16:creationId xmlns:a16="http://schemas.microsoft.com/office/drawing/2014/main" id="{0E67ECA3-7C93-4013-9B06-06152C9F570B}"/>
+                <a16:creationId xmlns:a16="http://schemas.microsoft.com/office/drawing/2014/main" xmlns="" id="{0E67ECA3-7C93-4013-9B06-06152C9F570B}"/>
               </a:ext>
             </a:extLst>
           </p:cNvPr>
@@ -8862,7 +8866,7 @@
           <p:cNvPr id="14" name="그림 13" descr="표지판, 앉아있는, 음식, 기차이(가) 표시된 사진&#10;&#10;자동 생성된 설명">
             <a:extLst>
               <a:ext uri="{FF2B5EF4-FFF2-40B4-BE49-F238E27FC236}">
-                <a16:creationId xmlns:a16="http://schemas.microsoft.com/office/drawing/2014/main" id="{40DDCDB5-FD7A-4D51-B789-84370710EC6A}"/>
+                <a16:creationId xmlns:a16="http://schemas.microsoft.com/office/drawing/2014/main" xmlns="" id="{40DDCDB5-FD7A-4D51-B789-84370710EC6A}"/>
               </a:ext>
             </a:extLst>
           </p:cNvPr>
@@ -8930,7 +8934,7 @@
           <p:cNvPr id="23" name="그룹 1001">
             <a:extLst>
               <a:ext uri="{FF2B5EF4-FFF2-40B4-BE49-F238E27FC236}">
-                <a16:creationId xmlns:a16="http://schemas.microsoft.com/office/drawing/2014/main" id="{13823689-AFCB-4005-8661-DF9ED43E03C0}"/>
+                <a16:creationId xmlns:a16="http://schemas.microsoft.com/office/drawing/2014/main" xmlns="" id="{13823689-AFCB-4005-8661-DF9ED43E03C0}"/>
               </a:ext>
             </a:extLst>
           </p:cNvPr>
@@ -8950,7 +8954,7 @@
             <p:cNvPr id="24" name="Object 2">
               <a:extLst>
                 <a:ext uri="{FF2B5EF4-FFF2-40B4-BE49-F238E27FC236}">
-                  <a16:creationId xmlns:a16="http://schemas.microsoft.com/office/drawing/2014/main" id="{668038AF-5DF0-4B93-8EDB-E00ACF22A1F0}"/>
+                  <a16:creationId xmlns:a16="http://schemas.microsoft.com/office/drawing/2014/main" xmlns="" id="{668038AF-5DF0-4B93-8EDB-E00ACF22A1F0}"/>
                 </a:ext>
               </a:extLst>
             </p:cNvPr>
@@ -8981,7 +8985,7 @@
           <p:cNvPr id="25" name="Object 4">
             <a:extLst>
               <a:ext uri="{FF2B5EF4-FFF2-40B4-BE49-F238E27FC236}">
-                <a16:creationId xmlns:a16="http://schemas.microsoft.com/office/drawing/2014/main" id="{F65842CB-EBF4-40D3-91A9-9180D458CBAC}"/>
+                <a16:creationId xmlns:a16="http://schemas.microsoft.com/office/drawing/2014/main" xmlns="" id="{F65842CB-EBF4-40D3-91A9-9180D458CBAC}"/>
               </a:ext>
             </a:extLst>
           </p:cNvPr>
@@ -9011,7 +9015,7 @@
           <p:cNvPr id="26" name="Object 5">
             <a:extLst>
               <a:ext uri="{FF2B5EF4-FFF2-40B4-BE49-F238E27FC236}">
-                <a16:creationId xmlns:a16="http://schemas.microsoft.com/office/drawing/2014/main" id="{CABD91E6-4D94-4880-BE59-CE6A00ADB283}"/>
+                <a16:creationId xmlns:a16="http://schemas.microsoft.com/office/drawing/2014/main" xmlns="" id="{CABD91E6-4D94-4880-BE59-CE6A00ADB283}"/>
               </a:ext>
             </a:extLst>
           </p:cNvPr>
@@ -9041,7 +9045,7 @@
           <p:cNvPr id="27" name="Object 6">
             <a:extLst>
               <a:ext uri="{FF2B5EF4-FFF2-40B4-BE49-F238E27FC236}">
-                <a16:creationId xmlns:a16="http://schemas.microsoft.com/office/drawing/2014/main" id="{7E5B3761-A9A0-4CCC-9F06-66AD9766DF83}"/>
+                <a16:creationId xmlns:a16="http://schemas.microsoft.com/office/drawing/2014/main" xmlns="" id="{7E5B3761-A9A0-4CCC-9F06-66AD9766DF83}"/>
               </a:ext>
             </a:extLst>
           </p:cNvPr>
@@ -9071,7 +9075,7 @@
           <p:cNvPr id="28" name="Object 7">
             <a:extLst>
               <a:ext uri="{FF2B5EF4-FFF2-40B4-BE49-F238E27FC236}">
-                <a16:creationId xmlns:a16="http://schemas.microsoft.com/office/drawing/2014/main" id="{63871E81-ADE3-420C-B638-70E426CC44CE}"/>
+                <a16:creationId xmlns:a16="http://schemas.microsoft.com/office/drawing/2014/main" xmlns="" id="{63871E81-ADE3-420C-B638-70E426CC44CE}"/>
               </a:ext>
             </a:extLst>
           </p:cNvPr>
@@ -9101,7 +9105,7 @@
           <p:cNvPr id="29" name="Object 8">
             <a:extLst>
               <a:ext uri="{FF2B5EF4-FFF2-40B4-BE49-F238E27FC236}">
-                <a16:creationId xmlns:a16="http://schemas.microsoft.com/office/drawing/2014/main" id="{BFB9EAC3-E04F-4195-A29E-38868FFA3C73}"/>
+                <a16:creationId xmlns:a16="http://schemas.microsoft.com/office/drawing/2014/main" xmlns="" id="{BFB9EAC3-E04F-4195-A29E-38868FFA3C73}"/>
               </a:ext>
             </a:extLst>
           </p:cNvPr>
@@ -9131,7 +9135,7 @@
           <p:cNvPr id="30" name="Object 9">
             <a:extLst>
               <a:ext uri="{FF2B5EF4-FFF2-40B4-BE49-F238E27FC236}">
-                <a16:creationId xmlns:a16="http://schemas.microsoft.com/office/drawing/2014/main" id="{B1517E18-18F6-47F8-9B68-5140B9A164A6}"/>
+                <a16:creationId xmlns:a16="http://schemas.microsoft.com/office/drawing/2014/main" xmlns="" id="{B1517E18-18F6-47F8-9B68-5140B9A164A6}"/>
               </a:ext>
             </a:extLst>
           </p:cNvPr>
@@ -9161,7 +9165,7 @@
           <p:cNvPr id="33" name="Object 13">
             <a:extLst>
               <a:ext uri="{FF2B5EF4-FFF2-40B4-BE49-F238E27FC236}">
-                <a16:creationId xmlns:a16="http://schemas.microsoft.com/office/drawing/2014/main" id="{2C7D2033-9BFB-48AB-96AF-CF7CDCC2036E}"/>
+                <a16:creationId xmlns:a16="http://schemas.microsoft.com/office/drawing/2014/main" xmlns="" id="{2C7D2033-9BFB-48AB-96AF-CF7CDCC2036E}"/>
               </a:ext>
             </a:extLst>
           </p:cNvPr>
@@ -9191,7 +9195,7 @@
           <p:cNvPr id="34" name="Object 14">
             <a:extLst>
               <a:ext uri="{FF2B5EF4-FFF2-40B4-BE49-F238E27FC236}">
-                <a16:creationId xmlns:a16="http://schemas.microsoft.com/office/drawing/2014/main" id="{46BA10E4-F180-4A18-922E-8FA2DB6751B2}"/>
+                <a16:creationId xmlns:a16="http://schemas.microsoft.com/office/drawing/2014/main" xmlns="" id="{46BA10E4-F180-4A18-922E-8FA2DB6751B2}"/>
               </a:ext>
             </a:extLst>
           </p:cNvPr>
@@ -9221,7 +9225,7 @@
           <p:cNvPr id="35" name="Object 15">
             <a:extLst>
               <a:ext uri="{FF2B5EF4-FFF2-40B4-BE49-F238E27FC236}">
-                <a16:creationId xmlns:a16="http://schemas.microsoft.com/office/drawing/2014/main" id="{1AFC5F20-69DF-41B3-82E6-3D47018965DC}"/>
+                <a16:creationId xmlns:a16="http://schemas.microsoft.com/office/drawing/2014/main" xmlns="" id="{1AFC5F20-69DF-41B3-82E6-3D47018965DC}"/>
               </a:ext>
             </a:extLst>
           </p:cNvPr>
@@ -9251,7 +9255,7 @@
           <p:cNvPr id="36" name="Object 16">
             <a:extLst>
               <a:ext uri="{FF2B5EF4-FFF2-40B4-BE49-F238E27FC236}">
-                <a16:creationId xmlns:a16="http://schemas.microsoft.com/office/drawing/2014/main" id="{B77880C3-2122-4992-BFB0-8CE57464BC56}"/>
+                <a16:creationId xmlns:a16="http://schemas.microsoft.com/office/drawing/2014/main" xmlns="" id="{B77880C3-2122-4992-BFB0-8CE57464BC56}"/>
               </a:ext>
             </a:extLst>
           </p:cNvPr>
@@ -9281,7 +9285,7 @@
           <p:cNvPr id="37" name="Object 17">
             <a:extLst>
               <a:ext uri="{FF2B5EF4-FFF2-40B4-BE49-F238E27FC236}">
-                <a16:creationId xmlns:a16="http://schemas.microsoft.com/office/drawing/2014/main" id="{D056A25A-8952-485E-B5AF-678C5F0CF66D}"/>
+                <a16:creationId xmlns:a16="http://schemas.microsoft.com/office/drawing/2014/main" xmlns="" id="{D056A25A-8952-485E-B5AF-678C5F0CF66D}"/>
               </a:ext>
             </a:extLst>
           </p:cNvPr>
@@ -9311,7 +9315,7 @@
           <p:cNvPr id="38" name="Object 18">
             <a:extLst>
               <a:ext uri="{FF2B5EF4-FFF2-40B4-BE49-F238E27FC236}">
-                <a16:creationId xmlns:a16="http://schemas.microsoft.com/office/drawing/2014/main" id="{E9748A1D-4279-4087-8DAE-9364BC4B8212}"/>
+                <a16:creationId xmlns:a16="http://schemas.microsoft.com/office/drawing/2014/main" xmlns="" id="{E9748A1D-4279-4087-8DAE-9364BC4B8212}"/>
               </a:ext>
             </a:extLst>
           </p:cNvPr>
@@ -9341,7 +9345,7 @@
           <p:cNvPr id="39" name="Object 19">
             <a:extLst>
               <a:ext uri="{FF2B5EF4-FFF2-40B4-BE49-F238E27FC236}">
-                <a16:creationId xmlns:a16="http://schemas.microsoft.com/office/drawing/2014/main" id="{6EABB148-C5D3-47D3-A8C4-A3703A47F937}"/>
+                <a16:creationId xmlns:a16="http://schemas.microsoft.com/office/drawing/2014/main" xmlns="" id="{6EABB148-C5D3-47D3-A8C4-A3703A47F937}"/>
               </a:ext>
             </a:extLst>
           </p:cNvPr>
@@ -9371,7 +9375,7 @@
           <p:cNvPr id="40" name="Object 20">
             <a:extLst>
               <a:ext uri="{FF2B5EF4-FFF2-40B4-BE49-F238E27FC236}">
-                <a16:creationId xmlns:a16="http://schemas.microsoft.com/office/drawing/2014/main" id="{70AA269E-359D-450E-A987-41217CA25A60}"/>
+                <a16:creationId xmlns:a16="http://schemas.microsoft.com/office/drawing/2014/main" xmlns="" id="{70AA269E-359D-450E-A987-41217CA25A60}"/>
               </a:ext>
             </a:extLst>
           </p:cNvPr>
@@ -9401,7 +9405,7 @@
           <p:cNvPr id="4" name="그림 3" descr="모니터, 시계, 화면, 앉아있는이(가) 표시된 사진&#10;&#10;자동 생성된 설명">
             <a:extLst>
               <a:ext uri="{FF2B5EF4-FFF2-40B4-BE49-F238E27FC236}">
-                <a16:creationId xmlns:a16="http://schemas.microsoft.com/office/drawing/2014/main" id="{FE6C97B9-04B6-4E76-8B35-03E3B3E63FD4}"/>
+                <a16:creationId xmlns:a16="http://schemas.microsoft.com/office/drawing/2014/main" xmlns="" id="{FE6C97B9-04B6-4E76-8B35-03E3B3E63FD4}"/>
               </a:ext>
             </a:extLst>
           </p:cNvPr>
@@ -9436,7 +9440,7 @@
           <p:cNvPr id="11" name="그림 10" descr="모니터, 시계, 화면, 앉아있는이(가) 표시된 사진&#10;&#10;자동 생성된 설명">
             <a:extLst>
               <a:ext uri="{FF2B5EF4-FFF2-40B4-BE49-F238E27FC236}">
-                <a16:creationId xmlns:a16="http://schemas.microsoft.com/office/drawing/2014/main" id="{B0C80838-CC3A-40D5-BF20-2DF314F0660F}"/>
+                <a16:creationId xmlns:a16="http://schemas.microsoft.com/office/drawing/2014/main" xmlns="" id="{B0C80838-CC3A-40D5-BF20-2DF314F0660F}"/>
               </a:ext>
             </a:extLst>
           </p:cNvPr>
@@ -9471,7 +9475,7 @@
           <p:cNvPr id="2" name="그림 1">
             <a:extLst>
               <a:ext uri="{FF2B5EF4-FFF2-40B4-BE49-F238E27FC236}">
-                <a16:creationId xmlns:a16="http://schemas.microsoft.com/office/drawing/2014/main" id="{27AB01C7-F597-4501-9E9B-189AD0C4E7E3}"/>
+                <a16:creationId xmlns:a16="http://schemas.microsoft.com/office/drawing/2014/main" xmlns="" id="{27AB01C7-F597-4501-9E9B-189AD0C4E7E3}"/>
               </a:ext>
             </a:extLst>
           </p:cNvPr>
@@ -9506,7 +9510,7 @@
           <p:cNvPr id="3" name="그림 2" descr="표지판, 앉아있는, 음식, 기차이(가) 표시된 사진&#10;&#10;자동 생성된 설명">
             <a:extLst>
               <a:ext uri="{FF2B5EF4-FFF2-40B4-BE49-F238E27FC236}">
-                <a16:creationId xmlns:a16="http://schemas.microsoft.com/office/drawing/2014/main" id="{C3B1BDFB-BA4D-4239-A707-AA75086A7210}"/>
+                <a16:creationId xmlns:a16="http://schemas.microsoft.com/office/drawing/2014/main" xmlns="" id="{C3B1BDFB-BA4D-4239-A707-AA75086A7210}"/>
               </a:ext>
             </a:extLst>
           </p:cNvPr>
@@ -9946,7 +9950,7 @@
           <p:cNvPr id="8" name="그림 7">
             <a:extLst>
               <a:ext uri="{FF2B5EF4-FFF2-40B4-BE49-F238E27FC236}">
-                <a16:creationId xmlns:a16="http://schemas.microsoft.com/office/drawing/2014/main" id="{9B5236E9-A823-4A2C-AEA7-B232D2B14763}"/>
+                <a16:creationId xmlns:a16="http://schemas.microsoft.com/office/drawing/2014/main" xmlns="" id="{9B5236E9-A823-4A2C-AEA7-B232D2B14763}"/>
               </a:ext>
             </a:extLst>
           </p:cNvPr>
@@ -9981,7 +9985,7 @@
           <p:cNvPr id="10" name="그림 9" descr="표지판, 앉아있는, 음식, 기차이(가) 표시된 사진&#10;&#10;자동 생성된 설명">
             <a:extLst>
               <a:ext uri="{FF2B5EF4-FFF2-40B4-BE49-F238E27FC236}">
-                <a16:creationId xmlns:a16="http://schemas.microsoft.com/office/drawing/2014/main" id="{8F45E298-9F6C-4847-A618-DCF655538D40}"/>
+                <a16:creationId xmlns:a16="http://schemas.microsoft.com/office/drawing/2014/main" xmlns="" id="{8F45E298-9F6C-4847-A618-DCF655538D40}"/>
               </a:ext>
             </a:extLst>
           </p:cNvPr>
@@ -10160,7 +10164,7 @@
           <p:cNvPr id="2" name="그림 1">
             <a:extLst>
               <a:ext uri="{FF2B5EF4-FFF2-40B4-BE49-F238E27FC236}">
-                <a16:creationId xmlns:a16="http://schemas.microsoft.com/office/drawing/2014/main" id="{A7231D12-3085-4B17-8052-1E07AB2E1674}"/>
+                <a16:creationId xmlns:a16="http://schemas.microsoft.com/office/drawing/2014/main" xmlns="" id="{A7231D12-3085-4B17-8052-1E07AB2E1674}"/>
               </a:ext>
             </a:extLst>
           </p:cNvPr>
@@ -10195,7 +10199,7 @@
           <p:cNvPr id="4" name="그림 3" descr="표지판, 앉아있는, 음식, 기차이(가) 표시된 사진&#10;&#10;자동 생성된 설명">
             <a:extLst>
               <a:ext uri="{FF2B5EF4-FFF2-40B4-BE49-F238E27FC236}">
-                <a16:creationId xmlns:a16="http://schemas.microsoft.com/office/drawing/2014/main" id="{A8D76BB4-F41F-4730-BBCA-D9981339474B}"/>
+                <a16:creationId xmlns:a16="http://schemas.microsoft.com/office/drawing/2014/main" xmlns="" id="{A8D76BB4-F41F-4730-BBCA-D9981339474B}"/>
               </a:ext>
             </a:extLst>
           </p:cNvPr>
@@ -10665,7 +10669,7 @@
           <p:cNvPr id="5" name="그림 4">
             <a:extLst>
               <a:ext uri="{FF2B5EF4-FFF2-40B4-BE49-F238E27FC236}">
-                <a16:creationId xmlns:a16="http://schemas.microsoft.com/office/drawing/2014/main" id="{C9C4C9A1-FB62-459F-8067-29B0488A35A3}"/>
+                <a16:creationId xmlns:a16="http://schemas.microsoft.com/office/drawing/2014/main" xmlns="" id="{C9C4C9A1-FB62-459F-8067-29B0488A35A3}"/>
               </a:ext>
             </a:extLst>
           </p:cNvPr>
@@ -10700,7 +10704,7 @@
           <p:cNvPr id="7" name="그림 6" descr="표지판, 앉아있는, 음식, 기차이(가) 표시된 사진&#10;&#10;자동 생성된 설명">
             <a:extLst>
               <a:ext uri="{FF2B5EF4-FFF2-40B4-BE49-F238E27FC236}">
-                <a16:creationId xmlns:a16="http://schemas.microsoft.com/office/drawing/2014/main" id="{6784ED41-2D88-4B6C-AFA5-5F71138A7115}"/>
+                <a16:creationId xmlns:a16="http://schemas.microsoft.com/office/drawing/2014/main" xmlns="" id="{6784ED41-2D88-4B6C-AFA5-5F71138A7115}"/>
               </a:ext>
             </a:extLst>
           </p:cNvPr>
@@ -10768,7 +10772,7 @@
           <p:cNvPr id="7" name="Object 1">
             <a:extLst>
               <a:ext uri="{FF2B5EF4-FFF2-40B4-BE49-F238E27FC236}">
-                <a16:creationId xmlns:a16="http://schemas.microsoft.com/office/drawing/2014/main" id="{9B0D4561-BD95-4601-B15B-F8B32FD467FE}"/>
+                <a16:creationId xmlns:a16="http://schemas.microsoft.com/office/drawing/2014/main" xmlns="" id="{9B0D4561-BD95-4601-B15B-F8B32FD467FE}"/>
               </a:ext>
             </a:extLst>
           </p:cNvPr>
@@ -10798,7 +10802,7 @@
           <p:cNvPr id="8" name="Object 2">
             <a:extLst>
               <a:ext uri="{FF2B5EF4-FFF2-40B4-BE49-F238E27FC236}">
-                <a16:creationId xmlns:a16="http://schemas.microsoft.com/office/drawing/2014/main" id="{EC243731-C42B-4E70-BF36-DB92382F7C82}"/>
+                <a16:creationId xmlns:a16="http://schemas.microsoft.com/office/drawing/2014/main" xmlns="" id="{EC243731-C42B-4E70-BF36-DB92382F7C82}"/>
               </a:ext>
             </a:extLst>
           </p:cNvPr>
@@ -10828,7 +10832,7 @@
           <p:cNvPr id="9" name="Object 3">
             <a:extLst>
               <a:ext uri="{FF2B5EF4-FFF2-40B4-BE49-F238E27FC236}">
-                <a16:creationId xmlns:a16="http://schemas.microsoft.com/office/drawing/2014/main" id="{4D814649-AA1F-4399-B284-C2D67BF5E78F}"/>
+                <a16:creationId xmlns:a16="http://schemas.microsoft.com/office/drawing/2014/main" xmlns="" id="{4D814649-AA1F-4399-B284-C2D67BF5E78F}"/>
               </a:ext>
             </a:extLst>
           </p:cNvPr>
@@ -10858,7 +10862,7 @@
           <p:cNvPr id="10" name="그룹 1001">
             <a:extLst>
               <a:ext uri="{FF2B5EF4-FFF2-40B4-BE49-F238E27FC236}">
-                <a16:creationId xmlns:a16="http://schemas.microsoft.com/office/drawing/2014/main" id="{EC793E42-A8DC-44A4-BC08-ADAFC1C515BC}"/>
+                <a16:creationId xmlns:a16="http://schemas.microsoft.com/office/drawing/2014/main" xmlns="" id="{EC793E42-A8DC-44A4-BC08-ADAFC1C515BC}"/>
               </a:ext>
             </a:extLst>
           </p:cNvPr>
@@ -10878,7 +10882,7 @@
             <p:cNvPr id="11" name="Object 5">
               <a:extLst>
                 <a:ext uri="{FF2B5EF4-FFF2-40B4-BE49-F238E27FC236}">
-                  <a16:creationId xmlns:a16="http://schemas.microsoft.com/office/drawing/2014/main" id="{34D0400D-63F8-40A8-BDE3-2A890244FE44}"/>
+                  <a16:creationId xmlns:a16="http://schemas.microsoft.com/office/drawing/2014/main" xmlns="" id="{34D0400D-63F8-40A8-BDE3-2A890244FE44}"/>
                 </a:ext>
               </a:extLst>
             </p:cNvPr>
@@ -10909,7 +10913,7 @@
           <p:cNvPr id="12" name="그룹 1002">
             <a:extLst>
               <a:ext uri="{FF2B5EF4-FFF2-40B4-BE49-F238E27FC236}">
-                <a16:creationId xmlns:a16="http://schemas.microsoft.com/office/drawing/2014/main" id="{02570A14-E48D-4008-A327-3392493A7CF2}"/>
+                <a16:creationId xmlns:a16="http://schemas.microsoft.com/office/drawing/2014/main" xmlns="" id="{02570A14-E48D-4008-A327-3392493A7CF2}"/>
               </a:ext>
             </a:extLst>
           </p:cNvPr>
@@ -10929,7 +10933,7 @@
             <p:cNvPr id="13" name="Object 8">
               <a:extLst>
                 <a:ext uri="{FF2B5EF4-FFF2-40B4-BE49-F238E27FC236}">
-                  <a16:creationId xmlns:a16="http://schemas.microsoft.com/office/drawing/2014/main" id="{554C05FC-8D3C-4905-A4E5-FFDEB2D590A8}"/>
+                  <a16:creationId xmlns:a16="http://schemas.microsoft.com/office/drawing/2014/main" xmlns="" id="{554C05FC-8D3C-4905-A4E5-FFDEB2D590A8}"/>
                 </a:ext>
               </a:extLst>
             </p:cNvPr>
@@ -10960,7 +10964,7 @@
           <p:cNvPr id="14" name="Object 10">
             <a:extLst>
               <a:ext uri="{FF2B5EF4-FFF2-40B4-BE49-F238E27FC236}">
-                <a16:creationId xmlns:a16="http://schemas.microsoft.com/office/drawing/2014/main" id="{12417964-0903-40E9-B9F5-C51B7D3AF27F}"/>
+                <a16:creationId xmlns:a16="http://schemas.microsoft.com/office/drawing/2014/main" xmlns="" id="{12417964-0903-40E9-B9F5-C51B7D3AF27F}"/>
               </a:ext>
             </a:extLst>
           </p:cNvPr>
@@ -10990,7 +10994,7 @@
           <p:cNvPr id="15" name="Object 11">
             <a:extLst>
               <a:ext uri="{FF2B5EF4-FFF2-40B4-BE49-F238E27FC236}">
-                <a16:creationId xmlns:a16="http://schemas.microsoft.com/office/drawing/2014/main" id="{173619F0-6937-4F15-89BF-3C4006782194}"/>
+                <a16:creationId xmlns:a16="http://schemas.microsoft.com/office/drawing/2014/main" xmlns="" id="{173619F0-6937-4F15-89BF-3C4006782194}"/>
               </a:ext>
             </a:extLst>
           </p:cNvPr>
@@ -11020,7 +11024,7 @@
           <p:cNvPr id="2" name="Object 3">
             <a:extLst>
               <a:ext uri="{FF2B5EF4-FFF2-40B4-BE49-F238E27FC236}">
-                <a16:creationId xmlns:a16="http://schemas.microsoft.com/office/drawing/2014/main" id="{DFF562A1-2001-4CC4-97D6-DDBB873142F6}"/>
+                <a16:creationId xmlns:a16="http://schemas.microsoft.com/office/drawing/2014/main" xmlns="" id="{DFF562A1-2001-4CC4-97D6-DDBB873142F6}"/>
               </a:ext>
             </a:extLst>
           </p:cNvPr>
@@ -11050,7 +11054,7 @@
           <p:cNvPr id="4" name="Object 12">
             <a:extLst>
               <a:ext uri="{FF2B5EF4-FFF2-40B4-BE49-F238E27FC236}">
-                <a16:creationId xmlns:a16="http://schemas.microsoft.com/office/drawing/2014/main" id="{19970EA0-839A-4E0C-9D33-52885B3F7FE9}"/>
+                <a16:creationId xmlns:a16="http://schemas.microsoft.com/office/drawing/2014/main" xmlns="" id="{19970EA0-839A-4E0C-9D33-52885B3F7FE9}"/>
               </a:ext>
             </a:extLst>
           </p:cNvPr>
@@ -11080,7 +11084,7 @@
           <p:cNvPr id="22" name="Object 13">
             <a:extLst>
               <a:ext uri="{FF2B5EF4-FFF2-40B4-BE49-F238E27FC236}">
-                <a16:creationId xmlns:a16="http://schemas.microsoft.com/office/drawing/2014/main" id="{20F3B8C9-F27E-4993-9545-DDD9415B3C05}"/>
+                <a16:creationId xmlns:a16="http://schemas.microsoft.com/office/drawing/2014/main" xmlns="" id="{20F3B8C9-F27E-4993-9545-DDD9415B3C05}"/>
               </a:ext>
             </a:extLst>
           </p:cNvPr>
@@ -11110,7 +11114,7 @@
           <p:cNvPr id="24" name="Object 14">
             <a:extLst>
               <a:ext uri="{FF2B5EF4-FFF2-40B4-BE49-F238E27FC236}">
-                <a16:creationId xmlns:a16="http://schemas.microsoft.com/office/drawing/2014/main" id="{58734570-99C3-4B87-9EB0-02B76EB533A8}"/>
+                <a16:creationId xmlns:a16="http://schemas.microsoft.com/office/drawing/2014/main" xmlns="" id="{58734570-99C3-4B87-9EB0-02B76EB533A8}"/>
               </a:ext>
             </a:extLst>
           </p:cNvPr>
@@ -11140,7 +11144,7 @@
           <p:cNvPr id="3" name="그림 2">
             <a:extLst>
               <a:ext uri="{FF2B5EF4-FFF2-40B4-BE49-F238E27FC236}">
-                <a16:creationId xmlns:a16="http://schemas.microsoft.com/office/drawing/2014/main" id="{289A1F09-FB4A-4E83-8332-A38FF80E19A0}"/>
+                <a16:creationId xmlns:a16="http://schemas.microsoft.com/office/drawing/2014/main" xmlns="" id="{289A1F09-FB4A-4E83-8332-A38FF80E19A0}"/>
               </a:ext>
             </a:extLst>
           </p:cNvPr>
@@ -11175,7 +11179,7 @@
           <p:cNvPr id="5" name="그림 4" descr="표지판, 앉아있는, 음식, 기차이(가) 표시된 사진&#10;&#10;자동 생성된 설명">
             <a:extLst>
               <a:ext uri="{FF2B5EF4-FFF2-40B4-BE49-F238E27FC236}">
-                <a16:creationId xmlns:a16="http://schemas.microsoft.com/office/drawing/2014/main" id="{E9C30F4E-5C4C-4441-B274-B61669A82103}"/>
+                <a16:creationId xmlns:a16="http://schemas.microsoft.com/office/drawing/2014/main" xmlns="" id="{E9C30F4E-5C4C-4441-B274-B61669A82103}"/>
               </a:ext>
             </a:extLst>
           </p:cNvPr>
@@ -11210,7 +11214,7 @@
           <p:cNvPr id="6" name="Object 15">
             <a:extLst>
               <a:ext uri="{FF2B5EF4-FFF2-40B4-BE49-F238E27FC236}">
-                <a16:creationId xmlns:a16="http://schemas.microsoft.com/office/drawing/2014/main" id="{32D9452D-6357-46AC-A683-1B66E1922DC3}"/>
+                <a16:creationId xmlns:a16="http://schemas.microsoft.com/office/drawing/2014/main" xmlns="" id="{32D9452D-6357-46AC-A683-1B66E1922DC3}"/>
               </a:ext>
             </a:extLst>
           </p:cNvPr>
@@ -11273,7 +11277,7 @@
           <p:cNvPr id="7" name="Object 1">
             <a:extLst>
               <a:ext uri="{FF2B5EF4-FFF2-40B4-BE49-F238E27FC236}">
-                <a16:creationId xmlns:a16="http://schemas.microsoft.com/office/drawing/2014/main" id="{35CCCE98-F0A0-46F7-BB80-C07C32F7A68E}"/>
+                <a16:creationId xmlns:a16="http://schemas.microsoft.com/office/drawing/2014/main" xmlns="" id="{35CCCE98-F0A0-46F7-BB80-C07C32F7A68E}"/>
               </a:ext>
             </a:extLst>
           </p:cNvPr>
@@ -11303,7 +11307,7 @@
           <p:cNvPr id="8" name="Object 2">
             <a:extLst>
               <a:ext uri="{FF2B5EF4-FFF2-40B4-BE49-F238E27FC236}">
-                <a16:creationId xmlns:a16="http://schemas.microsoft.com/office/drawing/2014/main" id="{04A58458-5D86-4834-9B83-899BD094A3CC}"/>
+                <a16:creationId xmlns:a16="http://schemas.microsoft.com/office/drawing/2014/main" xmlns="" id="{04A58458-5D86-4834-9B83-899BD094A3CC}"/>
               </a:ext>
             </a:extLst>
           </p:cNvPr>
@@ -11333,7 +11337,7 @@
           <p:cNvPr id="9" name="그룹 1001">
             <a:extLst>
               <a:ext uri="{FF2B5EF4-FFF2-40B4-BE49-F238E27FC236}">
-                <a16:creationId xmlns:a16="http://schemas.microsoft.com/office/drawing/2014/main" id="{D4F62C0E-47C9-410C-8410-CC3029889EE8}"/>
+                <a16:creationId xmlns:a16="http://schemas.microsoft.com/office/drawing/2014/main" xmlns="" id="{D4F62C0E-47C9-410C-8410-CC3029889EE8}"/>
               </a:ext>
             </a:extLst>
           </p:cNvPr>
@@ -11353,7 +11357,7 @@
             <p:cNvPr id="10" name="Object 4">
               <a:extLst>
                 <a:ext uri="{FF2B5EF4-FFF2-40B4-BE49-F238E27FC236}">
-                  <a16:creationId xmlns:a16="http://schemas.microsoft.com/office/drawing/2014/main" id="{5FEF099D-0F8E-4920-8D97-D79273A626EE}"/>
+                  <a16:creationId xmlns:a16="http://schemas.microsoft.com/office/drawing/2014/main" xmlns="" id="{5FEF099D-0F8E-4920-8D97-D79273A626EE}"/>
                 </a:ext>
               </a:extLst>
             </p:cNvPr>
@@ -11384,7 +11388,7 @@
           <p:cNvPr id="11" name="그룹 1002">
             <a:extLst>
               <a:ext uri="{FF2B5EF4-FFF2-40B4-BE49-F238E27FC236}">
-                <a16:creationId xmlns:a16="http://schemas.microsoft.com/office/drawing/2014/main" id="{1C3E8D57-0B09-467A-91EE-B239E1BEE323}"/>
+                <a16:creationId xmlns:a16="http://schemas.microsoft.com/office/drawing/2014/main" xmlns="" id="{1C3E8D57-0B09-467A-91EE-B239E1BEE323}"/>
               </a:ext>
             </a:extLst>
           </p:cNvPr>
@@ -11404,7 +11408,7 @@
             <p:cNvPr id="12" name="Object 7">
               <a:extLst>
                 <a:ext uri="{FF2B5EF4-FFF2-40B4-BE49-F238E27FC236}">
-                  <a16:creationId xmlns:a16="http://schemas.microsoft.com/office/drawing/2014/main" id="{A28B49B8-E667-4BC9-BF9D-D089D24AB287}"/>
+                  <a16:creationId xmlns:a16="http://schemas.microsoft.com/office/drawing/2014/main" xmlns="" id="{A28B49B8-E667-4BC9-BF9D-D089D24AB287}"/>
                 </a:ext>
               </a:extLst>
             </p:cNvPr>
@@ -11435,7 +11439,7 @@
           <p:cNvPr id="13" name="그룹 1003">
             <a:extLst>
               <a:ext uri="{FF2B5EF4-FFF2-40B4-BE49-F238E27FC236}">
-                <a16:creationId xmlns:a16="http://schemas.microsoft.com/office/drawing/2014/main" id="{1840E54B-D391-4E1A-88AE-1D080DD439FD}"/>
+                <a16:creationId xmlns:a16="http://schemas.microsoft.com/office/drawing/2014/main" xmlns="" id="{1840E54B-D391-4E1A-88AE-1D080DD439FD}"/>
               </a:ext>
             </a:extLst>
           </p:cNvPr>
@@ -11455,7 +11459,7 @@
             <p:cNvPr id="14" name="Object 10">
               <a:extLst>
                 <a:ext uri="{FF2B5EF4-FFF2-40B4-BE49-F238E27FC236}">
-                  <a16:creationId xmlns:a16="http://schemas.microsoft.com/office/drawing/2014/main" id="{AEC85E9C-C405-4579-8E92-DD1D8F334D29}"/>
+                  <a16:creationId xmlns:a16="http://schemas.microsoft.com/office/drawing/2014/main" xmlns="" id="{AEC85E9C-C405-4579-8E92-DD1D8F334D29}"/>
                 </a:ext>
               </a:extLst>
             </p:cNvPr>
@@ -11486,7 +11490,7 @@
           <p:cNvPr id="15" name="그룹 1004">
             <a:extLst>
               <a:ext uri="{FF2B5EF4-FFF2-40B4-BE49-F238E27FC236}">
-                <a16:creationId xmlns:a16="http://schemas.microsoft.com/office/drawing/2014/main" id="{193CD296-3409-4744-BAB3-1B472E42DC3B}"/>
+                <a16:creationId xmlns:a16="http://schemas.microsoft.com/office/drawing/2014/main" xmlns="" id="{193CD296-3409-4744-BAB3-1B472E42DC3B}"/>
               </a:ext>
             </a:extLst>
           </p:cNvPr>
@@ -11506,7 +11510,7 @@
             <p:cNvPr id="16" name="Object 13">
               <a:extLst>
                 <a:ext uri="{FF2B5EF4-FFF2-40B4-BE49-F238E27FC236}">
-                  <a16:creationId xmlns:a16="http://schemas.microsoft.com/office/drawing/2014/main" id="{80835677-8137-4391-A113-1CA45980828C}"/>
+                  <a16:creationId xmlns:a16="http://schemas.microsoft.com/office/drawing/2014/main" xmlns="" id="{80835677-8137-4391-A113-1CA45980828C}"/>
                 </a:ext>
               </a:extLst>
             </p:cNvPr>
@@ -11537,7 +11541,7 @@
           <p:cNvPr id="17" name="그룹 1005">
             <a:extLst>
               <a:ext uri="{FF2B5EF4-FFF2-40B4-BE49-F238E27FC236}">
-                <a16:creationId xmlns:a16="http://schemas.microsoft.com/office/drawing/2014/main" id="{30EEA9B9-1139-4B6F-BC28-D96783C29CD2}"/>
+                <a16:creationId xmlns:a16="http://schemas.microsoft.com/office/drawing/2014/main" xmlns="" id="{30EEA9B9-1139-4B6F-BC28-D96783C29CD2}"/>
               </a:ext>
             </a:extLst>
           </p:cNvPr>
@@ -11557,7 +11561,7 @@
             <p:cNvPr id="18" name="Object 16">
               <a:extLst>
                 <a:ext uri="{FF2B5EF4-FFF2-40B4-BE49-F238E27FC236}">
-                  <a16:creationId xmlns:a16="http://schemas.microsoft.com/office/drawing/2014/main" id="{C3A087FD-F293-434C-A81A-0058ADA5A126}"/>
+                  <a16:creationId xmlns:a16="http://schemas.microsoft.com/office/drawing/2014/main" xmlns="" id="{C3A087FD-F293-434C-A81A-0058ADA5A126}"/>
                 </a:ext>
               </a:extLst>
             </p:cNvPr>
@@ -11588,7 +11592,7 @@
           <p:cNvPr id="19" name="그룹 1006">
             <a:extLst>
               <a:ext uri="{FF2B5EF4-FFF2-40B4-BE49-F238E27FC236}">
-                <a16:creationId xmlns:a16="http://schemas.microsoft.com/office/drawing/2014/main" id="{8F023E9D-64CA-4B55-BA1A-C68A441CA552}"/>
+                <a16:creationId xmlns:a16="http://schemas.microsoft.com/office/drawing/2014/main" xmlns="" id="{8F023E9D-64CA-4B55-BA1A-C68A441CA552}"/>
               </a:ext>
             </a:extLst>
           </p:cNvPr>
@@ -11608,7 +11612,7 @@
             <p:cNvPr id="20" name="Object 19">
               <a:extLst>
                 <a:ext uri="{FF2B5EF4-FFF2-40B4-BE49-F238E27FC236}">
-                  <a16:creationId xmlns:a16="http://schemas.microsoft.com/office/drawing/2014/main" id="{2E290E5F-1F88-4AE3-A73A-6A57508E172E}"/>
+                  <a16:creationId xmlns:a16="http://schemas.microsoft.com/office/drawing/2014/main" xmlns="" id="{2E290E5F-1F88-4AE3-A73A-6A57508E172E}"/>
                 </a:ext>
               </a:extLst>
             </p:cNvPr>
@@ -11639,7 +11643,7 @@
           <p:cNvPr id="2" name="Object 3">
             <a:extLst>
               <a:ext uri="{FF2B5EF4-FFF2-40B4-BE49-F238E27FC236}">
-                <a16:creationId xmlns:a16="http://schemas.microsoft.com/office/drawing/2014/main" id="{CCDF66AB-E4D5-49BF-B941-B89A8767E442}"/>
+                <a16:creationId xmlns:a16="http://schemas.microsoft.com/office/drawing/2014/main" xmlns="" id="{CCDF66AB-E4D5-49BF-B941-B89A8767E442}"/>
               </a:ext>
             </a:extLst>
           </p:cNvPr>
@@ -11669,7 +11673,7 @@
           <p:cNvPr id="3" name="그림 2">
             <a:extLst>
               <a:ext uri="{FF2B5EF4-FFF2-40B4-BE49-F238E27FC236}">
-                <a16:creationId xmlns:a16="http://schemas.microsoft.com/office/drawing/2014/main" id="{20EC2724-3A05-475A-B049-9940D4D2378B}"/>
+                <a16:creationId xmlns:a16="http://schemas.microsoft.com/office/drawing/2014/main" xmlns="" id="{20EC2724-3A05-475A-B049-9940D4D2378B}"/>
               </a:ext>
             </a:extLst>
           </p:cNvPr>
@@ -11704,7 +11708,7 @@
           <p:cNvPr id="4" name="그림 3" descr="표지판, 앉아있는, 음식, 기차이(가) 표시된 사진&#10;&#10;자동 생성된 설명">
             <a:extLst>
               <a:ext uri="{FF2B5EF4-FFF2-40B4-BE49-F238E27FC236}">
-                <a16:creationId xmlns:a16="http://schemas.microsoft.com/office/drawing/2014/main" id="{4BC2D332-86F9-4908-B069-D1C869F58BB4}"/>
+                <a16:creationId xmlns:a16="http://schemas.microsoft.com/office/drawing/2014/main" xmlns="" id="{4BC2D332-86F9-4908-B069-D1C869F58BB4}"/>
               </a:ext>
             </a:extLst>
           </p:cNvPr>
@@ -11874,7 +11878,7 @@
           <p:cNvPr id="2" name="그림 1" descr="시계이(가) 표시된 사진&#10;&#10;자동 생성된 설명">
             <a:extLst>
               <a:ext uri="{FF2B5EF4-FFF2-40B4-BE49-F238E27FC236}">
-                <a16:creationId xmlns:a16="http://schemas.microsoft.com/office/drawing/2014/main" id="{12BA8344-91E7-4D1E-B781-020BD1A8851B}"/>
+                <a16:creationId xmlns:a16="http://schemas.microsoft.com/office/drawing/2014/main" xmlns="" id="{12BA8344-91E7-4D1E-B781-020BD1A8851B}"/>
               </a:ext>
             </a:extLst>
           </p:cNvPr>
@@ -12054,7 +12058,7 @@
           <p:cNvPr id="2" name="그림 1">
             <a:extLst>
               <a:ext uri="{FF2B5EF4-FFF2-40B4-BE49-F238E27FC236}">
-                <a16:creationId xmlns:a16="http://schemas.microsoft.com/office/drawing/2014/main" id="{AB0EB409-369F-407F-B14D-66649A52FB60}"/>
+                <a16:creationId xmlns:a16="http://schemas.microsoft.com/office/drawing/2014/main" xmlns="" id="{AB0EB409-369F-407F-B14D-66649A52FB60}"/>
               </a:ext>
             </a:extLst>
           </p:cNvPr>
@@ -12089,7 +12093,7 @@
           <p:cNvPr id="4" name="그림 3" descr="표지판, 앉아있는, 음식, 기차이(가) 표시된 사진&#10;&#10;자동 생성된 설명">
             <a:extLst>
               <a:ext uri="{FF2B5EF4-FFF2-40B4-BE49-F238E27FC236}">
-                <a16:creationId xmlns:a16="http://schemas.microsoft.com/office/drawing/2014/main" id="{F7C38325-E050-4426-AFB9-BA3165CE2585}"/>
+                <a16:creationId xmlns:a16="http://schemas.microsoft.com/office/drawing/2014/main" xmlns="" id="{F7C38325-E050-4426-AFB9-BA3165CE2585}"/>
               </a:ext>
             </a:extLst>
           </p:cNvPr>
@@ -12538,7 +12542,7 @@
           <p:cNvPr id="4" name="그림 3">
             <a:extLst>
               <a:ext uri="{FF2B5EF4-FFF2-40B4-BE49-F238E27FC236}">
-                <a16:creationId xmlns:a16="http://schemas.microsoft.com/office/drawing/2014/main" id="{6F0EA4BF-FFBA-48DC-B923-F5F4891597A6}"/>
+                <a16:creationId xmlns:a16="http://schemas.microsoft.com/office/drawing/2014/main" xmlns="" id="{6F0EA4BF-FFBA-48DC-B923-F5F4891597A6}"/>
               </a:ext>
             </a:extLst>
           </p:cNvPr>
@@ -12573,7 +12577,7 @@
           <p:cNvPr id="6" name="그림 5" descr="표지판, 앉아있는, 음식, 기차이(가) 표시된 사진&#10;&#10;자동 생성된 설명">
             <a:extLst>
               <a:ext uri="{FF2B5EF4-FFF2-40B4-BE49-F238E27FC236}">
-                <a16:creationId xmlns:a16="http://schemas.microsoft.com/office/drawing/2014/main" id="{9D3691C0-0494-4C9D-847D-94E3FCF049EC}"/>
+                <a16:creationId xmlns:a16="http://schemas.microsoft.com/office/drawing/2014/main" xmlns="" id="{9D3691C0-0494-4C9D-847D-94E3FCF049EC}"/>
               </a:ext>
             </a:extLst>
           </p:cNvPr>
@@ -12752,7 +12756,7 @@
           <p:cNvPr id="2" name="그림 1">
             <a:extLst>
               <a:ext uri="{FF2B5EF4-FFF2-40B4-BE49-F238E27FC236}">
-                <a16:creationId xmlns:a16="http://schemas.microsoft.com/office/drawing/2014/main" id="{3E6AC516-3B82-4B47-AD48-4570B6604A76}"/>
+                <a16:creationId xmlns:a16="http://schemas.microsoft.com/office/drawing/2014/main" xmlns="" id="{3E6AC516-3B82-4B47-AD48-4570B6604A76}"/>
               </a:ext>
             </a:extLst>
           </p:cNvPr>
@@ -12787,7 +12791,7 @@
           <p:cNvPr id="4" name="그림 3" descr="표지판, 앉아있는, 음식, 기차이(가) 표시된 사진&#10;&#10;자동 생성된 설명">
             <a:extLst>
               <a:ext uri="{FF2B5EF4-FFF2-40B4-BE49-F238E27FC236}">
-                <a16:creationId xmlns:a16="http://schemas.microsoft.com/office/drawing/2014/main" id="{F56E3B58-4578-465D-BB1D-44684F53877B}"/>
+                <a16:creationId xmlns:a16="http://schemas.microsoft.com/office/drawing/2014/main" xmlns="" id="{F56E3B58-4578-465D-BB1D-44684F53877B}"/>
               </a:ext>
             </a:extLst>
           </p:cNvPr>
@@ -12855,7 +12859,7 @@
           <p:cNvPr id="9" name="그룹 1001">
             <a:extLst>
               <a:ext uri="{FF2B5EF4-FFF2-40B4-BE49-F238E27FC236}">
-                <a16:creationId xmlns:a16="http://schemas.microsoft.com/office/drawing/2014/main" id="{1A80B637-9653-46A5-8FE2-CB05352926F0}"/>
+                <a16:creationId xmlns:a16="http://schemas.microsoft.com/office/drawing/2014/main" xmlns="" id="{1A80B637-9653-46A5-8FE2-CB05352926F0}"/>
               </a:ext>
             </a:extLst>
           </p:cNvPr>
@@ -12875,7 +12879,7 @@
             <p:cNvPr id="10" name="Object 2">
               <a:extLst>
                 <a:ext uri="{FF2B5EF4-FFF2-40B4-BE49-F238E27FC236}">
-                  <a16:creationId xmlns:a16="http://schemas.microsoft.com/office/drawing/2014/main" id="{755619E4-C5E8-44AB-8658-5F1E3B3A5C43}"/>
+                  <a16:creationId xmlns:a16="http://schemas.microsoft.com/office/drawing/2014/main" xmlns="" id="{755619E4-C5E8-44AB-8658-5F1E3B3A5C43}"/>
                 </a:ext>
               </a:extLst>
             </p:cNvPr>
@@ -12906,7 +12910,7 @@
           <p:cNvPr id="11" name="Object 4">
             <a:extLst>
               <a:ext uri="{FF2B5EF4-FFF2-40B4-BE49-F238E27FC236}">
-                <a16:creationId xmlns:a16="http://schemas.microsoft.com/office/drawing/2014/main" id="{5B5D3E3B-5851-4921-BB7D-CD4393E79718}"/>
+                <a16:creationId xmlns:a16="http://schemas.microsoft.com/office/drawing/2014/main" xmlns="" id="{5B5D3E3B-5851-4921-BB7D-CD4393E79718}"/>
               </a:ext>
             </a:extLst>
           </p:cNvPr>
@@ -12936,7 +12940,7 @@
           <p:cNvPr id="12" name="그룹 1002">
             <a:extLst>
               <a:ext uri="{FF2B5EF4-FFF2-40B4-BE49-F238E27FC236}">
-                <a16:creationId xmlns:a16="http://schemas.microsoft.com/office/drawing/2014/main" id="{B71CBE10-928E-4B50-9C1C-53911B87277B}"/>
+                <a16:creationId xmlns:a16="http://schemas.microsoft.com/office/drawing/2014/main" xmlns="" id="{B71CBE10-928E-4B50-9C1C-53911B87277B}"/>
               </a:ext>
             </a:extLst>
           </p:cNvPr>
@@ -12956,7 +12960,7 @@
             <p:cNvPr id="13" name="그룹 1003">
               <a:extLst>
                 <a:ext uri="{FF2B5EF4-FFF2-40B4-BE49-F238E27FC236}">
-                  <a16:creationId xmlns:a16="http://schemas.microsoft.com/office/drawing/2014/main" id="{D05AE48F-8795-4790-988E-2088AC5DA25D}"/>
+                  <a16:creationId xmlns:a16="http://schemas.microsoft.com/office/drawing/2014/main" xmlns="" id="{D05AE48F-8795-4790-988E-2088AC5DA25D}"/>
                 </a:ext>
               </a:extLst>
             </p:cNvPr>
@@ -12976,7 +12980,7 @@
               <p:cNvPr id="19" name="Object 7">
                 <a:extLst>
                   <a:ext uri="{FF2B5EF4-FFF2-40B4-BE49-F238E27FC236}">
-                    <a16:creationId xmlns:a16="http://schemas.microsoft.com/office/drawing/2014/main" id="{80A35E3D-8752-45AF-B7E6-340E50748CF4}"/>
+                    <a16:creationId xmlns:a16="http://schemas.microsoft.com/office/drawing/2014/main" xmlns="" id="{80A35E3D-8752-45AF-B7E6-340E50748CF4}"/>
                   </a:ext>
                 </a:extLst>
               </p:cNvPr>
@@ -13007,7 +13011,7 @@
             <p:cNvPr id="14" name="그룹 1004">
               <a:extLst>
                 <a:ext uri="{FF2B5EF4-FFF2-40B4-BE49-F238E27FC236}">
-                  <a16:creationId xmlns:a16="http://schemas.microsoft.com/office/drawing/2014/main" id="{9ED4C3A4-75A9-47D5-B7D5-056C615A4028}"/>
+                  <a16:creationId xmlns:a16="http://schemas.microsoft.com/office/drawing/2014/main" xmlns="" id="{9ED4C3A4-75A9-47D5-B7D5-056C615A4028}"/>
                 </a:ext>
               </a:extLst>
             </p:cNvPr>
@@ -13027,7 +13031,7 @@
               <p:cNvPr id="18" name="Object 10">
                 <a:extLst>
                   <a:ext uri="{FF2B5EF4-FFF2-40B4-BE49-F238E27FC236}">
-                    <a16:creationId xmlns:a16="http://schemas.microsoft.com/office/drawing/2014/main" id="{22715BC3-C8CF-482F-8929-27CC7BF83B09}"/>
+                    <a16:creationId xmlns:a16="http://schemas.microsoft.com/office/drawing/2014/main" xmlns="" id="{22715BC3-C8CF-482F-8929-27CC7BF83B09}"/>
                   </a:ext>
                 </a:extLst>
               </p:cNvPr>
@@ -13058,7 +13062,7 @@
             <p:cNvPr id="15" name="그룹 1005">
               <a:extLst>
                 <a:ext uri="{FF2B5EF4-FFF2-40B4-BE49-F238E27FC236}">
-                  <a16:creationId xmlns:a16="http://schemas.microsoft.com/office/drawing/2014/main" id="{D435D4DC-196E-4FE1-BD1A-FCCCC1755D29}"/>
+                  <a16:creationId xmlns:a16="http://schemas.microsoft.com/office/drawing/2014/main" xmlns="" id="{D435D4DC-196E-4FE1-BD1A-FCCCC1755D29}"/>
                 </a:ext>
               </a:extLst>
             </p:cNvPr>
@@ -13078,7 +13082,7 @@
               <p:cNvPr id="17" name="Object 13">
                 <a:extLst>
                   <a:ext uri="{FF2B5EF4-FFF2-40B4-BE49-F238E27FC236}">
-                    <a16:creationId xmlns:a16="http://schemas.microsoft.com/office/drawing/2014/main" id="{C7ED8B2B-C8F8-4DB2-99CE-11D4701939E6}"/>
+                    <a16:creationId xmlns:a16="http://schemas.microsoft.com/office/drawing/2014/main" xmlns="" id="{C7ED8B2B-C8F8-4DB2-99CE-11D4701939E6}"/>
                   </a:ext>
                 </a:extLst>
               </p:cNvPr>
@@ -13109,7 +13113,7 @@
             <p:cNvPr id="16" name="Object 15">
               <a:extLst>
                 <a:ext uri="{FF2B5EF4-FFF2-40B4-BE49-F238E27FC236}">
-                  <a16:creationId xmlns:a16="http://schemas.microsoft.com/office/drawing/2014/main" id="{BBCAD245-BF75-45DE-AA63-467D1A3EA32C}"/>
+                  <a16:creationId xmlns:a16="http://schemas.microsoft.com/office/drawing/2014/main" xmlns="" id="{BBCAD245-BF75-45DE-AA63-467D1A3EA32C}"/>
                 </a:ext>
               </a:extLst>
             </p:cNvPr>
@@ -13140,7 +13144,7 @@
           <p:cNvPr id="20" name="Object 17">
             <a:extLst>
               <a:ext uri="{FF2B5EF4-FFF2-40B4-BE49-F238E27FC236}">
-                <a16:creationId xmlns:a16="http://schemas.microsoft.com/office/drawing/2014/main" id="{A14A8881-FFD9-4E54-90D9-9E0FD6FEDAF2}"/>
+                <a16:creationId xmlns:a16="http://schemas.microsoft.com/office/drawing/2014/main" xmlns="" id="{A14A8881-FFD9-4E54-90D9-9E0FD6FEDAF2}"/>
               </a:ext>
             </a:extLst>
           </p:cNvPr>
@@ -13170,7 +13174,7 @@
           <p:cNvPr id="21" name="Object 18">
             <a:extLst>
               <a:ext uri="{FF2B5EF4-FFF2-40B4-BE49-F238E27FC236}">
-                <a16:creationId xmlns:a16="http://schemas.microsoft.com/office/drawing/2014/main" id="{664C6703-8AF5-49AC-BA0A-6BFA2071CB8D}"/>
+                <a16:creationId xmlns:a16="http://schemas.microsoft.com/office/drawing/2014/main" xmlns="" id="{664C6703-8AF5-49AC-BA0A-6BFA2071CB8D}"/>
               </a:ext>
             </a:extLst>
           </p:cNvPr>
@@ -13200,7 +13204,7 @@
           <p:cNvPr id="22" name="Object 19">
             <a:extLst>
               <a:ext uri="{FF2B5EF4-FFF2-40B4-BE49-F238E27FC236}">
-                <a16:creationId xmlns:a16="http://schemas.microsoft.com/office/drawing/2014/main" id="{3177701A-907C-4D1E-9648-6199ABA76D8C}"/>
+                <a16:creationId xmlns:a16="http://schemas.microsoft.com/office/drawing/2014/main" xmlns="" id="{3177701A-907C-4D1E-9648-6199ABA76D8C}"/>
               </a:ext>
             </a:extLst>
           </p:cNvPr>
@@ -13230,7 +13234,7 @@
           <p:cNvPr id="24" name="그룹 1006">
             <a:extLst>
               <a:ext uri="{FF2B5EF4-FFF2-40B4-BE49-F238E27FC236}">
-                <a16:creationId xmlns:a16="http://schemas.microsoft.com/office/drawing/2014/main" id="{C346EFE8-7515-43B3-86D7-F83D88D9E0B5}"/>
+                <a16:creationId xmlns:a16="http://schemas.microsoft.com/office/drawing/2014/main" xmlns="" id="{C346EFE8-7515-43B3-86D7-F83D88D9E0B5}"/>
               </a:ext>
             </a:extLst>
           </p:cNvPr>
@@ -13250,7 +13254,7 @@
             <p:cNvPr id="25" name="Object 22">
               <a:extLst>
                 <a:ext uri="{FF2B5EF4-FFF2-40B4-BE49-F238E27FC236}">
-                  <a16:creationId xmlns:a16="http://schemas.microsoft.com/office/drawing/2014/main" id="{E551D58A-D34A-475C-B668-FCF77DC05BFA}"/>
+                  <a16:creationId xmlns:a16="http://schemas.microsoft.com/office/drawing/2014/main" xmlns="" id="{E551D58A-D34A-475C-B668-FCF77DC05BFA}"/>
                 </a:ext>
               </a:extLst>
             </p:cNvPr>
@@ -13281,7 +13285,7 @@
           <p:cNvPr id="6" name="Object 20">
             <a:extLst>
               <a:ext uri="{FF2B5EF4-FFF2-40B4-BE49-F238E27FC236}">
-                <a16:creationId xmlns:a16="http://schemas.microsoft.com/office/drawing/2014/main" id="{3E4F867F-F37D-4D73-A03D-FBA38F58CA0A}"/>
+                <a16:creationId xmlns:a16="http://schemas.microsoft.com/office/drawing/2014/main" xmlns="" id="{3E4F867F-F37D-4D73-A03D-FBA38F58CA0A}"/>
               </a:ext>
             </a:extLst>
           </p:cNvPr>
@@ -13311,7 +13315,7 @@
           <p:cNvPr id="2" name="그림 1">
             <a:extLst>
               <a:ext uri="{FF2B5EF4-FFF2-40B4-BE49-F238E27FC236}">
-                <a16:creationId xmlns:a16="http://schemas.microsoft.com/office/drawing/2014/main" id="{B73AC368-036F-4645-B536-480D86DB8257}"/>
+                <a16:creationId xmlns:a16="http://schemas.microsoft.com/office/drawing/2014/main" xmlns="" id="{B73AC368-036F-4645-B536-480D86DB8257}"/>
               </a:ext>
             </a:extLst>
           </p:cNvPr>
@@ -13346,7 +13350,7 @@
           <p:cNvPr id="3" name="그림 2" descr="표지판, 앉아있는, 음식, 기차이(가) 표시된 사진&#10;&#10;자동 생성된 설명">
             <a:extLst>
               <a:ext uri="{FF2B5EF4-FFF2-40B4-BE49-F238E27FC236}">
-                <a16:creationId xmlns:a16="http://schemas.microsoft.com/office/drawing/2014/main" id="{3B6904B9-5CE1-46BE-8BE1-1BF1354EDE1A}"/>
+                <a16:creationId xmlns:a16="http://schemas.microsoft.com/office/drawing/2014/main" xmlns="" id="{3B6904B9-5CE1-46BE-8BE1-1BF1354EDE1A}"/>
               </a:ext>
             </a:extLst>
           </p:cNvPr>
@@ -13525,7 +13529,7 @@
           <p:cNvPr id="2" name="그림 1">
             <a:extLst>
               <a:ext uri="{FF2B5EF4-FFF2-40B4-BE49-F238E27FC236}">
-                <a16:creationId xmlns:a16="http://schemas.microsoft.com/office/drawing/2014/main" id="{014A64B5-8BCD-454B-81C7-07F636E073D1}"/>
+                <a16:creationId xmlns:a16="http://schemas.microsoft.com/office/drawing/2014/main" xmlns="" id="{014A64B5-8BCD-454B-81C7-07F636E073D1}"/>
               </a:ext>
             </a:extLst>
           </p:cNvPr>
@@ -13560,7 +13564,7 @@
           <p:cNvPr id="4" name="그림 3" descr="표지판, 앉아있는, 음식, 기차이(가) 표시된 사진&#10;&#10;자동 생성된 설명">
             <a:extLst>
               <a:ext uri="{FF2B5EF4-FFF2-40B4-BE49-F238E27FC236}">
-                <a16:creationId xmlns:a16="http://schemas.microsoft.com/office/drawing/2014/main" id="{73C1B2B8-F45A-409E-AB4F-87D1AA0F4556}"/>
+                <a16:creationId xmlns:a16="http://schemas.microsoft.com/office/drawing/2014/main" xmlns="" id="{73C1B2B8-F45A-409E-AB4F-87D1AA0F4556}"/>
               </a:ext>
             </a:extLst>
           </p:cNvPr>
@@ -13784,7 +13788,7 @@
       </p:pic>
       <p:pic>
         <p:nvPicPr>
-          <p:cNvPr id="10" name="Object 9"/>
+          <p:cNvPr id="11" name="Object 10"/>
           <p:cNvPicPr>
             <a:picLocks noChangeAspect="1"/>
           </p:cNvPicPr>
@@ -13798,30 +13802,6 @@
         </p:blipFill>
         <p:spPr>
           <a:xfrm>
-            <a:off x="2262218" y="1113394"/>
-            <a:ext cx="3838095" cy="1457143"/>
-          </a:xfrm>
-          <a:prstGeom prst="rect">
-            <a:avLst/>
-          </a:prstGeom>
-        </p:spPr>
-      </p:pic>
-      <p:pic>
-        <p:nvPicPr>
-          <p:cNvPr id="11" name="Object 10"/>
-          <p:cNvPicPr>
-            <a:picLocks noChangeAspect="1"/>
-          </p:cNvPicPr>
-          <p:nvPr/>
-        </p:nvPicPr>
-        <p:blipFill>
-          <a:blip r:embed="rId10" cstate="print"/>
-          <a:stretch>
-            <a:fillRect/>
-          </a:stretch>
-        </p:blipFill>
-        <p:spPr>
-          <a:xfrm>
             <a:off x="9678310" y="3022330"/>
             <a:ext cx="6866667" cy="2295238"/>
           </a:xfrm>
@@ -13835,7 +13815,7 @@
           <p:cNvPr id="12" name="그림 11" descr="개체, 시계, 측정기이(가) 표시된 사진&#10;&#10;자동 생성된 설명">
             <a:extLst>
               <a:ext uri="{FF2B5EF4-FFF2-40B4-BE49-F238E27FC236}">
-                <a16:creationId xmlns:a16="http://schemas.microsoft.com/office/drawing/2014/main" id="{94EF873E-43FF-4ED9-8152-E68A2790C8D8}"/>
+                <a16:creationId xmlns:a16="http://schemas.microsoft.com/office/drawing/2014/main" xmlns="" id="{94EF873E-43FF-4ED9-8152-E68A2790C8D8}"/>
               </a:ext>
             </a:extLst>
           </p:cNvPr>
@@ -13845,7 +13825,7 @@
           <p:nvPr/>
         </p:nvPicPr>
         <p:blipFill>
-          <a:blip r:embed="rId11">
+          <a:blip r:embed="rId10">
             <a:extLst>
               <a:ext uri="{28A0092B-C50C-407E-A947-70E740481C1C}">
                 <a14:useLocalDpi xmlns:a14="http://schemas.microsoft.com/office/drawing/2010/main" val="0"/>
@@ -13871,7 +13851,7 @@
           <p:cNvPr id="2" name="그림 1">
             <a:extLst>
               <a:ext uri="{FF2B5EF4-FFF2-40B4-BE49-F238E27FC236}">
-                <a16:creationId xmlns:a16="http://schemas.microsoft.com/office/drawing/2014/main" id="{A77796C4-9D3D-4840-8C10-F3A9BA6BC2C8}"/>
+                <a16:creationId xmlns:a16="http://schemas.microsoft.com/office/drawing/2014/main" xmlns="" id="{A77796C4-9D3D-4840-8C10-F3A9BA6BC2C8}"/>
               </a:ext>
             </a:extLst>
           </p:cNvPr>
@@ -13881,7 +13861,7 @@
           <p:nvPr/>
         </p:nvPicPr>
         <p:blipFill rotWithShape="1">
-          <a:blip r:embed="rId12">
+          <a:blip r:embed="rId11">
             <a:extLst>
               <a:ext uri="{28A0092B-C50C-407E-A947-70E740481C1C}">
                 <a14:useLocalDpi xmlns:a14="http://schemas.microsoft.com/office/drawing/2010/main" val="0"/>
@@ -13906,7 +13886,7 @@
           <p:cNvPr id="4" name="그림 3" descr="표지판, 앉아있는, 음식, 기차이(가) 표시된 사진&#10;&#10;자동 생성된 설명">
             <a:extLst>
               <a:ext uri="{FF2B5EF4-FFF2-40B4-BE49-F238E27FC236}">
-                <a16:creationId xmlns:a16="http://schemas.microsoft.com/office/drawing/2014/main" id="{DA793B3A-9434-47E2-837F-CA60E0DEF5A4}"/>
+                <a16:creationId xmlns:a16="http://schemas.microsoft.com/office/drawing/2014/main" xmlns="" id="{DA793B3A-9434-47E2-837F-CA60E0DEF5A4}"/>
               </a:ext>
             </a:extLst>
           </p:cNvPr>
@@ -13916,7 +13896,7 @@
           <p:nvPr/>
         </p:nvPicPr>
         <p:blipFill rotWithShape="1">
-          <a:blip r:embed="rId13" cstate="print">
+          <a:blip r:embed="rId12" cstate="print">
             <a:extLst>
               <a:ext uri="{28A0092B-C50C-407E-A947-70E740481C1C}">
                 <a14:useLocalDpi xmlns:a14="http://schemas.microsoft.com/office/drawing/2010/main" val="0"/>
@@ -13930,6 +13910,30 @@
           <a:xfrm>
             <a:off x="16687800" y="43232"/>
             <a:ext cx="1551045" cy="528268"/>
+          </a:xfrm>
+          <a:prstGeom prst="rect">
+            <a:avLst/>
+          </a:prstGeom>
+        </p:spPr>
+      </p:pic>
+      <p:pic>
+        <p:nvPicPr>
+          <p:cNvPr id="14" name="Object 8"/>
+          <p:cNvPicPr>
+            <a:picLocks noChangeAspect="1"/>
+          </p:cNvPicPr>
+          <p:nvPr/>
+        </p:nvPicPr>
+        <p:blipFill>
+          <a:blip r:embed="rId13" cstate="print"/>
+          <a:stretch>
+            <a:fillRect/>
+          </a:stretch>
+        </p:blipFill>
+        <p:spPr>
+          <a:xfrm>
+            <a:off x="2262218" y="1113394"/>
+            <a:ext cx="4285714" cy="1457143"/>
           </a:xfrm>
           <a:prstGeom prst="rect">
             <a:avLst/>
@@ -14660,7 +14664,7 @@
           <p:cNvPr id="2" name="그림 1">
             <a:extLst>
               <a:ext uri="{FF2B5EF4-FFF2-40B4-BE49-F238E27FC236}">
-                <a16:creationId xmlns:a16="http://schemas.microsoft.com/office/drawing/2014/main" id="{B226663A-40C6-4384-A3C3-35316E683108}"/>
+                <a16:creationId xmlns:a16="http://schemas.microsoft.com/office/drawing/2014/main" xmlns="" id="{B226663A-40C6-4384-A3C3-35316E683108}"/>
               </a:ext>
             </a:extLst>
           </p:cNvPr>
@@ -14695,7 +14699,7 @@
           <p:cNvPr id="4" name="그림 3" descr="표지판, 앉아있는, 음식, 기차이(가) 표시된 사진&#10;&#10;자동 생성된 설명">
             <a:extLst>
               <a:ext uri="{FF2B5EF4-FFF2-40B4-BE49-F238E27FC236}">
-                <a16:creationId xmlns:a16="http://schemas.microsoft.com/office/drawing/2014/main" id="{EC98D91B-CCC6-4E22-A598-74FF862907A0}"/>
+                <a16:creationId xmlns:a16="http://schemas.microsoft.com/office/drawing/2014/main" xmlns="" id="{EC98D91B-CCC6-4E22-A598-74FF862907A0}"/>
               </a:ext>
             </a:extLst>
           </p:cNvPr>
